--- a/postgresql/logical_replication.pptx
+++ b/postgresql/logical_replication.pptx
@@ -6,7 +6,8 @@
   </p:sldMasterIdLst>
   <p:sldIdLst>
     <p:sldId id="256" r:id="rId3"/>
-    <p:sldId id="257" r:id="rId4"/>
+    <p:sldId id="258" r:id="rId4"/>
+    <p:sldId id="257" r:id="rId5"/>
   </p:sldIdLst>
   <p:sldSz cx="12192000" cy="6858000"/>
   <p:notesSz cx="7103745" cy="10234295"/>
@@ -4208,6 +4209,1159 @@
         </p:nvSpPr>
         <p:spPr>
           <a:xfrm>
+            <a:off x="4349862" y="2725563"/>
+            <a:ext cx="999568" cy="404888"/>
+          </a:xfrm>
+          <a:prstGeom prst="roundRect">
+            <a:avLst/>
+          </a:prstGeom>
+          <a:solidFill>
+            <a:srgbClr val="E2E6ED">
+              <a:alpha val="100000"/>
+            </a:srgbClr>
+          </a:solidFill>
+          <a:ln w="12700" cap="flat" cmpd="sng" algn="ctr">
+            <a:solidFill>
+              <a:srgbClr val="AEB5C0">
+                <a:alpha val="100000"/>
+              </a:srgbClr>
+            </a:solidFill>
+            <a:prstDash val="solid"/>
+            <a:miter lim="800000"/>
+          </a:ln>
+        </p:spPr>
+        <p:style>
+          <a:lnRef idx="2">
+            <a:schemeClr val="accent1">
+              <a:shade val="50000"/>
+            </a:schemeClr>
+          </a:lnRef>
+          <a:fillRef idx="1">
+            <a:schemeClr val="accent1"/>
+          </a:fillRef>
+          <a:effectRef idx="0">
+            <a:schemeClr val="accent1"/>
+          </a:effectRef>
+          <a:fontRef idx="minor">
+            <a:schemeClr val="lt1"/>
+          </a:fontRef>
+        </p:style>
+        <p:txBody>
+          <a:bodyPr wrap="square" rtlCol="0" anchor="ctr">
+            <a:noAutofit/>
+          </a:bodyPr>
+          <a:p>
+            <a:pPr algn="ctr"/>
+            <a:r>
+              <a:rPr lang="en-US" sz="1050">
+                <a:solidFill>
+                  <a:srgbClr val="E06C75"/>
+                </a:solidFill>
+                <a:latin typeface="Consolas" panose="020B0609020204030204" charset="0"/>
+              </a:rPr>
+              <a:t>walsender</a:t>
+            </a:r>
+            <a:endParaRPr lang="en-US" sz="1050">
+              <a:solidFill>
+                <a:srgbClr val="E06C75"/>
+              </a:solidFill>
+              <a:latin typeface="Consolas" panose="020B0609020204030204" charset="0"/>
+            </a:endParaRPr>
+          </a:p>
+        </p:txBody>
+      </p:sp>
+      <p:sp>
+        <p:nvSpPr>
+          <p:cNvPr id="12" name="圆角矩形 11"/>
+          <p:cNvSpPr/>
+          <p:nvPr userDrawn="1"/>
+        </p:nvSpPr>
+        <p:spPr>
+          <a:xfrm>
+            <a:off x="4328583" y="3587548"/>
+            <a:ext cx="1037527" cy="392236"/>
+          </a:xfrm>
+          <a:prstGeom prst="roundRect">
+            <a:avLst/>
+          </a:prstGeom>
+          <a:solidFill>
+            <a:srgbClr val="E2E6ED">
+              <a:alpha val="100000"/>
+            </a:srgbClr>
+          </a:solidFill>
+          <a:ln w="12700" cap="flat" cmpd="sng" algn="ctr">
+            <a:solidFill>
+              <a:srgbClr val="AEB5C0">
+                <a:alpha val="100000"/>
+              </a:srgbClr>
+            </a:solidFill>
+            <a:prstDash val="solid"/>
+            <a:miter lim="800000"/>
+          </a:ln>
+        </p:spPr>
+        <p:style>
+          <a:lnRef idx="2">
+            <a:schemeClr val="accent1">
+              <a:shade val="50000"/>
+            </a:schemeClr>
+          </a:lnRef>
+          <a:fillRef idx="1">
+            <a:schemeClr val="accent1"/>
+          </a:fillRef>
+          <a:effectRef idx="0">
+            <a:schemeClr val="accent1"/>
+          </a:effectRef>
+          <a:fontRef idx="minor">
+            <a:schemeClr val="lt1"/>
+          </a:fontRef>
+        </p:style>
+        <p:txBody>
+          <a:bodyPr wrap="square" rtlCol="0" anchor="ctr">
+            <a:noAutofit/>
+          </a:bodyPr>
+          <a:p>
+            <a:pPr algn="ctr"/>
+            <a:r>
+              <a:rPr lang="en-US" sz="1050">
+                <a:solidFill>
+                  <a:srgbClr val="E06C75"/>
+                </a:solidFill>
+                <a:latin typeface="Consolas" panose="020B0609020204030204" charset="0"/>
+              </a:rPr>
+              <a:t>walsender</a:t>
+            </a:r>
+            <a:endParaRPr lang="en-US" sz="1050">
+              <a:solidFill>
+                <a:srgbClr val="E06C75"/>
+              </a:solidFill>
+              <a:latin typeface="Consolas" panose="020B0609020204030204" charset="0"/>
+            </a:endParaRPr>
+          </a:p>
+        </p:txBody>
+      </p:sp>
+      <p:sp>
+        <p:nvSpPr>
+          <p:cNvPr id="13" name="圆角矩形 12"/>
+          <p:cNvSpPr/>
+          <p:nvPr userDrawn="1"/>
+        </p:nvSpPr>
+        <p:spPr>
+          <a:xfrm>
+            <a:off x="6731270" y="2707691"/>
+            <a:ext cx="1062832" cy="404888"/>
+          </a:xfrm>
+          <a:prstGeom prst="roundRect">
+            <a:avLst/>
+          </a:prstGeom>
+          <a:solidFill>
+            <a:srgbClr val="E2E6ED">
+              <a:alpha val="100000"/>
+            </a:srgbClr>
+          </a:solidFill>
+          <a:ln w="12700" cap="flat" cmpd="sng" algn="ctr">
+            <a:solidFill>
+              <a:srgbClr val="AEB5C0">
+                <a:alpha val="100000"/>
+              </a:srgbClr>
+            </a:solidFill>
+            <a:prstDash val="solid"/>
+            <a:miter lim="800000"/>
+          </a:ln>
+        </p:spPr>
+        <p:style>
+          <a:lnRef idx="2">
+            <a:schemeClr val="accent1">
+              <a:shade val="50000"/>
+            </a:schemeClr>
+          </a:lnRef>
+          <a:fillRef idx="1">
+            <a:schemeClr val="accent1"/>
+          </a:fillRef>
+          <a:effectRef idx="0">
+            <a:schemeClr val="accent1"/>
+          </a:effectRef>
+          <a:fontRef idx="minor">
+            <a:schemeClr val="lt1"/>
+          </a:fontRef>
+        </p:style>
+        <p:txBody>
+          <a:bodyPr wrap="square" rtlCol="0" anchor="ctr">
+            <a:noAutofit/>
+          </a:bodyPr>
+          <a:p>
+            <a:pPr algn="ctr"/>
+            <a:r>
+              <a:rPr lang="en-US" sz="1050">
+                <a:solidFill>
+                  <a:srgbClr val="E06C75"/>
+                </a:solidFill>
+                <a:latin typeface="Consolas" panose="020B0609020204030204" charset="0"/>
+              </a:rPr>
+              <a:t>walrec</a:t>
+            </a:r>
+            <a:r>
+              <a:rPr lang="en-US" altLang="zh-CN" sz="1050">
+                <a:solidFill>
+                  <a:srgbClr val="E06C75"/>
+                </a:solidFill>
+                <a:latin typeface="Consolas" panose="020B0609020204030204" charset="0"/>
+              </a:rPr>
+              <a:t>ei</a:t>
+            </a:r>
+            <a:r>
+              <a:rPr lang="en-US" sz="1050">
+                <a:solidFill>
+                  <a:srgbClr val="E06C75"/>
+                </a:solidFill>
+                <a:latin typeface="Consolas" panose="020B0609020204030204" charset="0"/>
+              </a:rPr>
+              <a:t>ver</a:t>
+            </a:r>
+            <a:endParaRPr lang="en-US" sz="1050">
+              <a:solidFill>
+                <a:srgbClr val="E06C75"/>
+              </a:solidFill>
+              <a:latin typeface="Consolas" panose="020B0609020204030204" charset="0"/>
+            </a:endParaRPr>
+          </a:p>
+        </p:txBody>
+      </p:sp>
+      <p:sp>
+        <p:nvSpPr>
+          <p:cNvPr id="14" name="圆角矩形 13"/>
+          <p:cNvSpPr/>
+          <p:nvPr userDrawn="1"/>
+        </p:nvSpPr>
+        <p:spPr>
+          <a:xfrm>
+            <a:off x="6732838" y="3585479"/>
+            <a:ext cx="1062832" cy="379583"/>
+          </a:xfrm>
+          <a:prstGeom prst="roundRect">
+            <a:avLst/>
+          </a:prstGeom>
+          <a:solidFill>
+            <a:srgbClr val="E2E6ED">
+              <a:alpha val="100000"/>
+            </a:srgbClr>
+          </a:solidFill>
+          <a:ln w="12700" cap="flat" cmpd="sng" algn="ctr">
+            <a:solidFill>
+              <a:srgbClr val="AEB5C0">
+                <a:alpha val="100000"/>
+              </a:srgbClr>
+            </a:solidFill>
+            <a:prstDash val="solid"/>
+            <a:miter lim="800000"/>
+          </a:ln>
+        </p:spPr>
+        <p:style>
+          <a:lnRef idx="2">
+            <a:schemeClr val="accent1">
+              <a:shade val="50000"/>
+            </a:schemeClr>
+          </a:lnRef>
+          <a:fillRef idx="1">
+            <a:schemeClr val="accent1"/>
+          </a:fillRef>
+          <a:effectRef idx="0">
+            <a:schemeClr val="accent1"/>
+          </a:effectRef>
+          <a:fontRef idx="minor">
+            <a:schemeClr val="lt1"/>
+          </a:fontRef>
+        </p:style>
+        <p:txBody>
+          <a:bodyPr wrap="square" rtlCol="0" anchor="ctr">
+            <a:noAutofit/>
+          </a:bodyPr>
+          <a:p>
+            <a:pPr algn="ctr"/>
+            <a:r>
+              <a:rPr lang="en-US" sz="1050">
+                <a:solidFill>
+                  <a:srgbClr val="E06C75"/>
+                </a:solidFill>
+                <a:latin typeface="Consolas" panose="020B0609020204030204" charset="0"/>
+              </a:rPr>
+              <a:t>walreceiver</a:t>
+            </a:r>
+            <a:endParaRPr lang="en-US" sz="1050">
+              <a:solidFill>
+                <a:srgbClr val="E06C75"/>
+              </a:solidFill>
+              <a:latin typeface="Consolas" panose="020B0609020204030204" charset="0"/>
+            </a:endParaRPr>
+          </a:p>
+        </p:txBody>
+      </p:sp>
+      <p:cxnSp>
+        <p:nvCxnSpPr>
+          <p:cNvPr id="15" name="直接连接符 14"/>
+          <p:cNvCxnSpPr/>
+          <p:nvPr userDrawn="1"/>
+        </p:nvCxnSpPr>
+        <p:spPr>
+          <a:xfrm>
+            <a:off x="5368409" y="2915355"/>
+            <a:ext cx="1353846" cy="1"/>
+          </a:xfrm>
+          <a:prstGeom prst="line">
+            <a:avLst/>
+          </a:prstGeom>
+          <a:ln w="19050" cap="flat" cmpd="sng" algn="ctr">
+            <a:solidFill>
+              <a:srgbClr val="979797">
+                <a:alpha val="100000"/>
+              </a:srgbClr>
+            </a:solidFill>
+            <a:prstDash val="solid"/>
+            <a:miter lim="800000"/>
+            <a:tailEnd type="triangle"/>
+          </a:ln>
+        </p:spPr>
+        <p:style>
+          <a:lnRef idx="1">
+            <a:schemeClr val="accent1"/>
+          </a:lnRef>
+          <a:fillRef idx="0">
+            <a:schemeClr val="accent1"/>
+          </a:fillRef>
+          <a:effectRef idx="0">
+            <a:schemeClr val="accent1"/>
+          </a:effectRef>
+          <a:fontRef idx="minor">
+            <a:schemeClr val="tx1"/>
+          </a:fontRef>
+        </p:style>
+      </p:cxnSp>
+      <p:sp>
+        <p:nvSpPr>
+          <p:cNvPr id="17" name="矩形 16"/>
+          <p:cNvSpPr/>
+          <p:nvPr userDrawn="1"/>
+        </p:nvSpPr>
+        <p:spPr>
+          <a:xfrm>
+            <a:off x="8880406" y="2794000"/>
+            <a:ext cx="1202012" cy="480805"/>
+          </a:xfrm>
+          <a:prstGeom prst="rect">
+            <a:avLst/>
+          </a:prstGeom>
+          <a:solidFill>
+            <a:srgbClr val="E2E6ED">
+              <a:alpha val="100000"/>
+            </a:srgbClr>
+          </a:solidFill>
+          <a:ln w="12700" cap="flat" cmpd="sng" algn="ctr">
+            <a:solidFill>
+              <a:srgbClr val="AEB5C0">
+                <a:alpha val="100000"/>
+              </a:srgbClr>
+            </a:solidFill>
+            <a:prstDash val="solid"/>
+            <a:miter lim="800000"/>
+          </a:ln>
+        </p:spPr>
+        <p:style>
+          <a:lnRef idx="2">
+            <a:schemeClr val="accent1">
+              <a:shade val="50000"/>
+            </a:schemeClr>
+          </a:lnRef>
+          <a:fillRef idx="1">
+            <a:schemeClr val="accent1"/>
+          </a:fillRef>
+          <a:effectRef idx="0">
+            <a:schemeClr val="accent1"/>
+          </a:effectRef>
+          <a:fontRef idx="minor">
+            <a:schemeClr val="lt1"/>
+          </a:fontRef>
+        </p:style>
+        <p:txBody>
+          <a:bodyPr wrap="square" rtlCol="0" anchor="ctr">
+            <a:noAutofit/>
+          </a:bodyPr>
+          <a:p>
+            <a:pPr algn="ctr"/>
+            <a:r>
+              <a:rPr lang="en-US" sz="1050" b="0" u="none">
+                <a:solidFill>
+                  <a:srgbClr val="98C379"/>
+                </a:solidFill>
+                <a:latin typeface="Consolas" panose="020B0609020204030204" charset="0"/>
+              </a:rPr>
+              <a:t>subscription</a:t>
+            </a:r>
+            <a:endParaRPr lang="zh-CN" altLang="en-US">
+              <a:solidFill>
+                <a:srgbClr val="000000"/>
+              </a:solidFill>
+            </a:endParaRPr>
+          </a:p>
+        </p:txBody>
+      </p:sp>
+      <p:sp>
+        <p:nvSpPr>
+          <p:cNvPr id="18" name="矩形 17"/>
+          <p:cNvSpPr/>
+          <p:nvPr userDrawn="1"/>
+        </p:nvSpPr>
+        <p:spPr>
+          <a:xfrm>
+            <a:off x="8276167" y="3651250"/>
+            <a:ext cx="1366498" cy="506111"/>
+          </a:xfrm>
+          <a:prstGeom prst="rect">
+            <a:avLst/>
+          </a:prstGeom>
+          <a:solidFill>
+            <a:srgbClr val="E2E6ED">
+              <a:alpha val="100000"/>
+            </a:srgbClr>
+          </a:solidFill>
+          <a:ln w="12700" cap="flat" cmpd="sng" algn="ctr">
+            <a:solidFill>
+              <a:srgbClr val="AEB5C0">
+                <a:alpha val="100000"/>
+              </a:srgbClr>
+            </a:solidFill>
+            <a:prstDash val="solid"/>
+            <a:miter lim="800000"/>
+          </a:ln>
+        </p:spPr>
+        <p:style>
+          <a:lnRef idx="2">
+            <a:schemeClr val="accent1">
+              <a:shade val="50000"/>
+            </a:schemeClr>
+          </a:lnRef>
+          <a:fillRef idx="1">
+            <a:schemeClr val="accent1"/>
+          </a:fillRef>
+          <a:effectRef idx="0">
+            <a:schemeClr val="accent1"/>
+          </a:effectRef>
+          <a:fontRef idx="minor">
+            <a:schemeClr val="lt1"/>
+          </a:fontRef>
+        </p:style>
+        <p:txBody>
+          <a:bodyPr wrap="square" rtlCol="0" anchor="ctr">
+            <a:noAutofit/>
+          </a:bodyPr>
+          <a:p>
+            <a:pPr algn="ctr"/>
+            <a:r>
+              <a:rPr lang="en-US" sz="1050" b="0" u="none">
+                <a:solidFill>
+                  <a:srgbClr val="98C379"/>
+                </a:solidFill>
+                <a:latin typeface="Consolas" panose="020B0609020204030204" charset="0"/>
+              </a:rPr>
+              <a:t>subscription</a:t>
+            </a:r>
+            <a:endParaRPr lang="zh-CN" altLang="en-US">
+              <a:solidFill>
+                <a:srgbClr val="000000"/>
+              </a:solidFill>
+            </a:endParaRPr>
+          </a:p>
+        </p:txBody>
+      </p:sp>
+      <p:cxnSp>
+        <p:nvCxnSpPr>
+          <p:cNvPr id="19" name="直接连接符 18"/>
+          <p:cNvCxnSpPr/>
+          <p:nvPr userDrawn="1"/>
+        </p:nvCxnSpPr>
+        <p:spPr>
+          <a:xfrm>
+            <a:off x="5386917" y="3788833"/>
+            <a:ext cx="1328540" cy="12653"/>
+          </a:xfrm>
+          <a:prstGeom prst="line">
+            <a:avLst/>
+          </a:prstGeom>
+          <a:ln w="19050" cap="flat" cmpd="sng" algn="ctr">
+            <a:solidFill>
+              <a:srgbClr val="979797">
+                <a:alpha val="100000"/>
+              </a:srgbClr>
+            </a:solidFill>
+            <a:prstDash val="solid"/>
+            <a:miter lim="800000"/>
+            <a:tailEnd type="triangle"/>
+          </a:ln>
+        </p:spPr>
+        <p:style>
+          <a:lnRef idx="1">
+            <a:schemeClr val="accent1"/>
+          </a:lnRef>
+          <a:fillRef idx="0">
+            <a:schemeClr val="accent1"/>
+          </a:fillRef>
+          <a:effectRef idx="0">
+            <a:schemeClr val="accent1"/>
+          </a:effectRef>
+          <a:fontRef idx="minor">
+            <a:schemeClr val="tx1"/>
+          </a:fontRef>
+        </p:style>
+      </p:cxnSp>
+      <p:cxnSp>
+        <p:nvCxnSpPr>
+          <p:cNvPr id="3" name="肘形连接符 2"/>
+          <p:cNvCxnSpPr>
+            <a:stCxn id="22" idx="3"/>
+            <a:endCxn id="12" idx="2"/>
+          </p:cNvCxnSpPr>
+          <p:nvPr/>
+        </p:nvCxnSpPr>
+        <p:spPr>
+          <a:xfrm flipV="1">
+            <a:off x="2603500" y="3980180"/>
+            <a:ext cx="2244090" cy="1084580"/>
+          </a:xfrm>
+          <a:prstGeom prst="bentConnector2">
+            <a:avLst/>
+          </a:prstGeom>
+          <a:ln>
+            <a:tailEnd type="arrow"/>
+          </a:ln>
+        </p:spPr>
+        <p:style>
+          <a:lnRef idx="1">
+            <a:schemeClr val="accent1"/>
+          </a:lnRef>
+          <a:fillRef idx="0">
+            <a:schemeClr val="accent1"/>
+          </a:fillRef>
+          <a:effectRef idx="0">
+            <a:schemeClr val="accent1"/>
+          </a:effectRef>
+          <a:fontRef idx="minor">
+            <a:schemeClr val="tx1"/>
+          </a:fontRef>
+        </p:style>
+      </p:cxnSp>
+      <p:sp>
+        <p:nvSpPr>
+          <p:cNvPr id="5" name="文本框 4"/>
+          <p:cNvSpPr txBox="1"/>
+          <p:nvPr/>
+        </p:nvSpPr>
+        <p:spPr>
+          <a:xfrm>
+            <a:off x="3818890" y="4754880"/>
+            <a:ext cx="937895" cy="275590"/>
+          </a:xfrm>
+          <a:prstGeom prst="rect">
+            <a:avLst/>
+          </a:prstGeom>
+          <a:noFill/>
+        </p:spPr>
+        <p:txBody>
+          <a:bodyPr wrap="square" rtlCol="0">
+            <a:spAutoFit/>
+          </a:bodyPr>
+          <a:p>
+            <a:r>
+              <a:rPr lang="en-US" altLang="zh-CN" sz="1200"/>
+              <a:t>pgoutput</a:t>
+            </a:r>
+            <a:endParaRPr lang="en-US" altLang="zh-CN" sz="1200"/>
+          </a:p>
+        </p:txBody>
+      </p:sp>
+      <p:sp>
+        <p:nvSpPr>
+          <p:cNvPr id="16" name="圆角矩形 15"/>
+          <p:cNvSpPr/>
+          <p:nvPr/>
+        </p:nvSpPr>
+        <p:spPr>
+          <a:xfrm>
+            <a:off x="1676400" y="4754880"/>
+            <a:ext cx="800100" cy="365760"/>
+          </a:xfrm>
+          <a:prstGeom prst="roundRect">
+            <a:avLst/>
+          </a:prstGeom>
+        </p:spPr>
+        <p:style>
+          <a:lnRef idx="2">
+            <a:schemeClr val="accent1">
+              <a:shade val="50000"/>
+            </a:schemeClr>
+          </a:lnRef>
+          <a:fillRef idx="1">
+            <a:schemeClr val="accent1"/>
+          </a:fillRef>
+          <a:effectRef idx="0">
+            <a:schemeClr val="accent1"/>
+          </a:effectRef>
+          <a:fontRef idx="minor">
+            <a:schemeClr val="lt1"/>
+          </a:fontRef>
+        </p:style>
+        <p:txBody>
+          <a:bodyPr rtlCol="0" anchor="ctr"/>
+          <a:p>
+            <a:pPr algn="ctr"/>
+            <a:r>
+              <a:rPr lang="en-US" altLang="zh-CN" sz="1400"/>
+              <a:t>WAL</a:t>
+            </a:r>
+            <a:endParaRPr lang="en-US" altLang="zh-CN" sz="1400"/>
+          </a:p>
+        </p:txBody>
+      </p:sp>
+      <p:sp>
+        <p:nvSpPr>
+          <p:cNvPr id="22" name="圆角矩形 21"/>
+          <p:cNvSpPr/>
+          <p:nvPr/>
+        </p:nvSpPr>
+        <p:spPr>
+          <a:xfrm>
+            <a:off x="1803400" y="4881880"/>
+            <a:ext cx="800100" cy="365760"/>
+          </a:xfrm>
+          <a:prstGeom prst="roundRect">
+            <a:avLst/>
+          </a:prstGeom>
+        </p:spPr>
+        <p:style>
+          <a:lnRef idx="2">
+            <a:schemeClr val="accent1">
+              <a:shade val="50000"/>
+            </a:schemeClr>
+          </a:lnRef>
+          <a:fillRef idx="1">
+            <a:schemeClr val="accent1"/>
+          </a:fillRef>
+          <a:effectRef idx="0">
+            <a:schemeClr val="accent1"/>
+          </a:effectRef>
+          <a:fontRef idx="minor">
+            <a:schemeClr val="lt1"/>
+          </a:fontRef>
+        </p:style>
+        <p:txBody>
+          <a:bodyPr rtlCol="0" anchor="ctr"/>
+          <a:p>
+            <a:pPr algn="ctr"/>
+            <a:r>
+              <a:rPr lang="en-US" altLang="zh-CN" sz="1400"/>
+              <a:t>WAL</a:t>
+            </a:r>
+            <a:endParaRPr lang="en-US" altLang="zh-CN" sz="1400"/>
+          </a:p>
+        </p:txBody>
+      </p:sp>
+      <p:sp>
+        <p:nvSpPr>
+          <p:cNvPr id="23" name="文本框 22"/>
+          <p:cNvSpPr txBox="1"/>
+          <p:nvPr/>
+        </p:nvSpPr>
+        <p:spPr>
+          <a:xfrm>
+            <a:off x="5575935" y="3979545"/>
+            <a:ext cx="1099820" cy="275590"/>
+          </a:xfrm>
+          <a:prstGeom prst="rect">
+            <a:avLst/>
+          </a:prstGeom>
+          <a:noFill/>
+        </p:spPr>
+        <p:txBody>
+          <a:bodyPr wrap="square" rtlCol="0">
+            <a:spAutoFit/>
+          </a:bodyPr>
+          <a:p>
+            <a:r>
+              <a:rPr lang="en-US" altLang="zh-CN" sz="1200"/>
+              <a:t>transaction</a:t>
+            </a:r>
+            <a:endParaRPr lang="en-US" altLang="zh-CN" sz="1200"/>
+          </a:p>
+        </p:txBody>
+      </p:sp>
+    </p:spTree>
+  </p:cSld>
+  <p:clrMapOvr>
+    <a:masterClrMapping/>
+  </p:clrMapOvr>
+</p:sld>
+</file>
+
+<file path=ppt/slides/slide3.xml><?xml version="1.0" encoding="utf-8"?>
+<p:sld xmlns:a="http://schemas.openxmlformats.org/drawingml/2006/main" xmlns:r="http://schemas.openxmlformats.org/officeDocument/2006/relationships" xmlns:p="http://schemas.openxmlformats.org/presentationml/2006/main">
+  <p:cSld>
+    <p:spTree>
+      <p:nvGrpSpPr>
+        <p:cNvPr id="1" name=""/>
+        <p:cNvGrpSpPr/>
+        <p:nvPr/>
+      </p:nvGrpSpPr>
+      <p:grpSpPr>
+        <a:xfrm>
+          <a:off x="0" y="0"/>
+          <a:ext cx="0" cy="0"/>
+          <a:chOff x="0" y="0"/>
+          <a:chExt cx="0" cy="0"/>
+        </a:xfrm>
+      </p:grpSpPr>
+      <p:sp>
+        <p:nvSpPr>
+          <p:cNvPr id="4" name="流程图: 磁盘 3"/>
+          <p:cNvSpPr/>
+          <p:nvPr userDrawn="1"/>
+        </p:nvSpPr>
+        <p:spPr>
+          <a:xfrm>
+            <a:off x="1524000" y="1629833"/>
+            <a:ext cx="3185583" cy="2857500"/>
+          </a:xfrm>
+          <a:prstGeom prst="flowChartMagneticDisk">
+            <a:avLst/>
+          </a:prstGeom>
+          <a:solidFill>
+            <a:srgbClr val="E2E6ED">
+              <a:alpha val="100000"/>
+            </a:srgbClr>
+          </a:solidFill>
+          <a:ln w="12700" cap="flat" cmpd="sng" algn="ctr">
+            <a:solidFill>
+              <a:srgbClr val="AEB5C0">
+                <a:alpha val="100000"/>
+              </a:srgbClr>
+            </a:solidFill>
+            <a:prstDash val="solid"/>
+            <a:miter lim="800000"/>
+          </a:ln>
+        </p:spPr>
+        <p:style>
+          <a:lnRef idx="2">
+            <a:schemeClr val="accent1">
+              <a:shade val="50000"/>
+            </a:schemeClr>
+          </a:lnRef>
+          <a:fillRef idx="1">
+            <a:schemeClr val="accent1"/>
+          </a:fillRef>
+          <a:effectRef idx="0">
+            <a:schemeClr val="accent1"/>
+          </a:effectRef>
+          <a:fontRef idx="minor">
+            <a:schemeClr val="lt1"/>
+          </a:fontRef>
+        </p:style>
+        <p:txBody>
+          <a:bodyPr wrap="square" rtlCol="0" anchor="ctr">
+            <a:noAutofit/>
+          </a:bodyPr>
+          <a:p>
+            <a:pPr algn="ctr"/>
+            <a:endParaRPr lang="zh-CN" altLang="en-US">
+              <a:solidFill>
+                <a:srgbClr val="000000"/>
+              </a:solidFill>
+            </a:endParaRPr>
+          </a:p>
+        </p:txBody>
+      </p:sp>
+      <p:sp>
+        <p:nvSpPr>
+          <p:cNvPr id="6" name="流程图: 磁盘 5"/>
+          <p:cNvSpPr/>
+          <p:nvPr userDrawn="1"/>
+        </p:nvSpPr>
+        <p:spPr>
+          <a:xfrm>
+            <a:off x="7207250" y="1682750"/>
+            <a:ext cx="3164417" cy="2762250"/>
+          </a:xfrm>
+          <a:prstGeom prst="flowChartMagneticDisk">
+            <a:avLst/>
+          </a:prstGeom>
+          <a:solidFill>
+            <a:srgbClr val="E2E6ED">
+              <a:alpha val="100000"/>
+            </a:srgbClr>
+          </a:solidFill>
+          <a:ln w="12700" cap="flat" cmpd="sng" algn="ctr">
+            <a:solidFill>
+              <a:srgbClr val="AEB5C0">
+                <a:alpha val="100000"/>
+              </a:srgbClr>
+            </a:solidFill>
+            <a:prstDash val="solid"/>
+            <a:miter lim="800000"/>
+          </a:ln>
+        </p:spPr>
+        <p:style>
+          <a:lnRef idx="2">
+            <a:schemeClr val="accent1">
+              <a:shade val="50000"/>
+            </a:schemeClr>
+          </a:lnRef>
+          <a:fillRef idx="1">
+            <a:schemeClr val="accent1"/>
+          </a:fillRef>
+          <a:effectRef idx="0">
+            <a:schemeClr val="accent1"/>
+          </a:effectRef>
+          <a:fontRef idx="minor">
+            <a:schemeClr val="lt1"/>
+          </a:fontRef>
+        </p:style>
+        <p:txBody>
+          <a:bodyPr wrap="square" rtlCol="0" anchor="ctr">
+            <a:noAutofit/>
+          </a:bodyPr>
+          <a:p>
+            <a:pPr algn="ctr"/>
+            <a:endParaRPr lang="zh-CN" altLang="en-US">
+              <a:solidFill>
+                <a:srgbClr val="000000"/>
+              </a:solidFill>
+            </a:endParaRPr>
+          </a:p>
+        </p:txBody>
+      </p:sp>
+      <p:sp>
+        <p:nvSpPr>
+          <p:cNvPr id="7" name="文本框 6"/>
+          <p:cNvSpPr txBox="1"/>
+          <p:nvPr userDrawn="1"/>
+        </p:nvSpPr>
+        <p:spPr>
+          <a:xfrm>
+            <a:off x="2476510" y="1839252"/>
+            <a:ext cx="1277929" cy="368300"/>
+          </a:xfrm>
+          <a:prstGeom prst="rect">
+            <a:avLst/>
+          </a:prstGeom>
+        </p:spPr>
+        <p:txBody>
+          <a:bodyPr wrap="square" rtlCol="0">
+            <a:spAutoFit/>
+          </a:bodyPr>
+          <a:p>
+            <a:r>
+              <a:rPr lang="en-US" altLang="zh-CN"/>
+              <a:t>publisher</a:t>
+            </a:r>
+            <a:endParaRPr lang="zh-CN" altLang="en-US"/>
+          </a:p>
+        </p:txBody>
+      </p:sp>
+      <p:sp>
+        <p:nvSpPr>
+          <p:cNvPr id="8" name="文本框 7"/>
+          <p:cNvSpPr txBox="1"/>
+          <p:nvPr userDrawn="1"/>
+        </p:nvSpPr>
+        <p:spPr>
+          <a:xfrm>
+            <a:off x="7995656" y="1835957"/>
+            <a:ext cx="1594248" cy="645291"/>
+          </a:xfrm>
+          <a:prstGeom prst="rect">
+            <a:avLst/>
+          </a:prstGeom>
+        </p:spPr>
+        <p:txBody>
+          <a:bodyPr wrap="square" rtlCol="0">
+            <a:noAutofit/>
+          </a:bodyPr>
+          <a:p>
+            <a:r>
+              <a:rPr lang="en-US" altLang="zh-CN"/>
+              <a:t>subscriber</a:t>
+            </a:r>
+            <a:endParaRPr lang="zh-CN" altLang="en-US"/>
+          </a:p>
+        </p:txBody>
+      </p:sp>
+      <p:sp>
+        <p:nvSpPr>
+          <p:cNvPr id="9" name="流程图: 过程 8"/>
+          <p:cNvSpPr/>
+          <p:nvPr userDrawn="1"/>
+        </p:nvSpPr>
+        <p:spPr>
+          <a:xfrm>
+            <a:off x="1756833" y="2624667"/>
+            <a:ext cx="1121833" cy="836083"/>
+          </a:xfrm>
+          <a:prstGeom prst="flowChartProcess">
+            <a:avLst/>
+          </a:prstGeom>
+          <a:solidFill>
+            <a:srgbClr val="E2E6ED">
+              <a:alpha val="100000"/>
+            </a:srgbClr>
+          </a:solidFill>
+          <a:ln w="12700" cap="flat" cmpd="sng" algn="ctr">
+            <a:solidFill>
+              <a:srgbClr val="AEB5C0">
+                <a:alpha val="100000"/>
+              </a:srgbClr>
+            </a:solidFill>
+            <a:prstDash val="solid"/>
+            <a:miter lim="800000"/>
+          </a:ln>
+        </p:spPr>
+        <p:style>
+          <a:lnRef idx="2">
+            <a:schemeClr val="accent1">
+              <a:shade val="50000"/>
+            </a:schemeClr>
+          </a:lnRef>
+          <a:fillRef idx="1">
+            <a:schemeClr val="accent1"/>
+          </a:fillRef>
+          <a:effectRef idx="0">
+            <a:schemeClr val="accent1"/>
+          </a:effectRef>
+          <a:fontRef idx="minor">
+            <a:schemeClr val="lt1"/>
+          </a:fontRef>
+        </p:style>
+        <p:txBody>
+          <a:bodyPr wrap="square" rtlCol="0" anchor="ctr">
+            <a:noAutofit/>
+          </a:bodyPr>
+          <a:p>
+            <a:pPr algn="ctr"/>
+            <a:r>
+              <a:rPr lang="en-US" sz="1050" b="0" u="none">
+                <a:solidFill>
+                  <a:srgbClr val="E06C75"/>
+                </a:solidFill>
+                <a:latin typeface="Consolas" panose="020B0609020204030204" charset="0"/>
+              </a:rPr>
+              <a:t>publication</a:t>
+            </a:r>
+            <a:endParaRPr lang="en-US" sz="1050" b="0" u="none">
+              <a:solidFill>
+                <a:srgbClr val="E06C75"/>
+              </a:solidFill>
+              <a:latin typeface="Consolas" panose="020B0609020204030204" charset="0"/>
+            </a:endParaRPr>
+          </a:p>
+          <a:p>
+            <a:pPr algn="ctr"/>
+            <a:r>
+              <a:rPr lang="en-US" sz="1050">
+                <a:solidFill>
+                  <a:srgbClr val="E06C75"/>
+                </a:solidFill>
+                <a:latin typeface="Consolas" panose="020B0609020204030204" charset="0"/>
+              </a:rPr>
+              <a:t>table1</a:t>
+            </a:r>
+            <a:endParaRPr lang="en-US" sz="1050">
+              <a:solidFill>
+                <a:srgbClr val="E06C75"/>
+              </a:solidFill>
+              <a:latin typeface="Consolas" panose="020B0609020204030204" charset="0"/>
+            </a:endParaRPr>
+          </a:p>
+          <a:p>
+            <a:pPr algn="ctr"/>
+            <a:r>
+              <a:rPr lang="en-US" sz="1050">
+                <a:solidFill>
+                  <a:srgbClr val="E06C75"/>
+                </a:solidFill>
+                <a:latin typeface="Consolas" panose="020B0609020204030204" charset="0"/>
+              </a:rPr>
+              <a:t>table2</a:t>
+            </a:r>
+            <a:endParaRPr lang="en-US" sz="1050">
+              <a:solidFill>
+                <a:srgbClr val="E06C75"/>
+              </a:solidFill>
+              <a:latin typeface="Consolas" panose="020B0609020204030204" charset="0"/>
+            </a:endParaRPr>
+          </a:p>
+          <a:p>
+            <a:pPr algn="ctr"/>
+            <a:r>
+              <a:rPr lang="en-US" altLang="zh-CN" sz="1050">
+                <a:solidFill>
+                  <a:srgbClr val="E06C75"/>
+                </a:solidFill>
+                <a:latin typeface="Consolas" panose="020B0609020204030204" charset="0"/>
+              </a:rPr>
+              <a:t>...</a:t>
+            </a:r>
+            <a:endParaRPr lang="en-US" altLang="zh-CN" sz="1050">
+              <a:solidFill>
+                <a:srgbClr val="E06C75"/>
+              </a:solidFill>
+              <a:latin typeface="Consolas" panose="020B0609020204030204" charset="0"/>
+            </a:endParaRPr>
+          </a:p>
+        </p:txBody>
+      </p:sp>
+      <p:sp>
+        <p:nvSpPr>
+          <p:cNvPr id="10" name="流程图: 过程 9"/>
+          <p:cNvSpPr/>
+          <p:nvPr userDrawn="1"/>
+        </p:nvSpPr>
+        <p:spPr>
+          <a:xfrm>
+            <a:off x="3048000" y="3122083"/>
+            <a:ext cx="1068917" cy="857250"/>
+          </a:xfrm>
+          <a:prstGeom prst="flowChartProcess">
+            <a:avLst/>
+          </a:prstGeom>
+          <a:solidFill>
+            <a:srgbClr val="E2E6ED">
+              <a:alpha val="100000"/>
+            </a:srgbClr>
+          </a:solidFill>
+          <a:ln w="12700" cap="flat" cmpd="sng" algn="ctr">
+            <a:solidFill>
+              <a:srgbClr val="AEB5C0">
+                <a:alpha val="100000"/>
+              </a:srgbClr>
+            </a:solidFill>
+            <a:prstDash val="solid"/>
+            <a:miter lim="800000"/>
+          </a:ln>
+        </p:spPr>
+        <p:style>
+          <a:lnRef idx="2">
+            <a:schemeClr val="accent1">
+              <a:shade val="50000"/>
+            </a:schemeClr>
+          </a:lnRef>
+          <a:fillRef idx="1">
+            <a:schemeClr val="accent1"/>
+          </a:fillRef>
+          <a:effectRef idx="0">
+            <a:schemeClr val="accent1"/>
+          </a:effectRef>
+          <a:fontRef idx="minor">
+            <a:schemeClr val="lt1"/>
+          </a:fontRef>
+        </p:style>
+        <p:txBody>
+          <a:bodyPr wrap="square" rtlCol="0" anchor="ctr">
+            <a:noAutofit/>
+          </a:bodyPr>
+          <a:p>
+            <a:pPr algn="ctr"/>
+            <a:r>
+              <a:rPr lang="en-US" sz="1050" b="0" u="none">
+                <a:solidFill>
+                  <a:srgbClr val="E06C75"/>
+                </a:solidFill>
+                <a:latin typeface="Consolas" panose="020B0609020204030204" charset="0"/>
+              </a:rPr>
+              <a:t>publication</a:t>
+            </a:r>
+            <a:endParaRPr lang="en-US" sz="1050" b="0" u="none">
+              <a:solidFill>
+                <a:srgbClr val="E06C75"/>
+              </a:solidFill>
+              <a:latin typeface="Consolas" panose="020B0609020204030204" charset="0"/>
+            </a:endParaRPr>
+          </a:p>
+          <a:p>
+            <a:pPr algn="ctr"/>
+            <a:r>
+              <a:rPr lang="en-US" sz="1050">
+                <a:solidFill>
+                  <a:srgbClr val="E06C75"/>
+                </a:solidFill>
+                <a:latin typeface="Consolas" panose="020B0609020204030204" charset="0"/>
+              </a:rPr>
+              <a:t>table3</a:t>
+            </a:r>
+            <a:endParaRPr lang="en-US" sz="1050">
+              <a:solidFill>
+                <a:srgbClr val="E06C75"/>
+              </a:solidFill>
+              <a:latin typeface="Consolas" panose="020B0609020204030204" charset="0"/>
+            </a:endParaRPr>
+          </a:p>
+          <a:p>
+            <a:pPr algn="ctr"/>
+            <a:r>
+              <a:rPr lang="en-US" sz="1050">
+                <a:solidFill>
+                  <a:srgbClr val="E06C75"/>
+                </a:solidFill>
+                <a:latin typeface="Consolas" panose="020B0609020204030204" charset="0"/>
+              </a:rPr>
+              <a:t>table4</a:t>
+            </a:r>
+            <a:endParaRPr lang="en-US" sz="1050">
+              <a:solidFill>
+                <a:srgbClr val="E06C75"/>
+              </a:solidFill>
+              <a:latin typeface="Consolas" panose="020B0609020204030204" charset="0"/>
+            </a:endParaRPr>
+          </a:p>
+          <a:p>
+            <a:pPr algn="ctr"/>
+            <a:r>
+              <a:rPr lang="en-US" altLang="zh-CN" sz="1050">
+                <a:solidFill>
+                  <a:srgbClr val="E06C75"/>
+                </a:solidFill>
+                <a:latin typeface="Consolas" panose="020B0609020204030204" charset="0"/>
+              </a:rPr>
+              <a:t>table5</a:t>
+            </a:r>
+            <a:endParaRPr lang="en-US" sz="1050">
+              <a:solidFill>
+                <a:srgbClr val="E06C75"/>
+              </a:solidFill>
+              <a:latin typeface="Consolas" panose="020B0609020204030204" charset="0"/>
+            </a:endParaRPr>
+          </a:p>
+          <a:p>
+            <a:pPr algn="ctr"/>
+            <a:r>
+              <a:rPr lang="en-US" sz="1050">
+                <a:solidFill>
+                  <a:srgbClr val="E06C75"/>
+                </a:solidFill>
+                <a:latin typeface="Consolas" panose="020B0609020204030204" charset="0"/>
+              </a:rPr>
+              <a:t>...</a:t>
+            </a:r>
+            <a:endParaRPr lang="en-US" sz="1050">
+              <a:solidFill>
+                <a:srgbClr val="E06C75"/>
+              </a:solidFill>
+              <a:latin typeface="Consolas" panose="020B0609020204030204" charset="0"/>
+            </a:endParaRPr>
+          </a:p>
+        </p:txBody>
+      </p:sp>
+      <p:sp>
+        <p:nvSpPr>
+          <p:cNvPr id="11" name="圆角矩形 10"/>
+          <p:cNvSpPr/>
+          <p:nvPr userDrawn="1"/>
+        </p:nvSpPr>
+        <p:spPr>
+          <a:xfrm>
             <a:off x="6724127" y="2712863"/>
             <a:ext cx="999568" cy="404888"/>
           </a:xfrm>
